--- a/2021/5月.pptx
+++ b/2021/5月.pptx
@@ -111,7 +111,7 @@
   </p:defaultTextStyle>
   <p:extLst>
     <p:ext uri="{EFAFB233-063F-42B5-8137-9DF3F51BA10A}">
-      <p15:sldGuideLst xmlns:p15="http://schemas.microsoft.com/office/powerpoint/2012/main">
+      <p15:sldGuideLst xmlns:p15="http://schemas.microsoft.com/office/powerpoint/2012/main" xmlns="">
         <p15:guide id="1" orient="horz" pos="2160" userDrawn="1">
           <p15:clr>
             <a:srgbClr val="A4A3A4"/>
@@ -309,7 +309,8 @@
           <a:p>
             <a:fld id="{B7E41356-7F95-4A17-998E-B5F5C8926EE7}" type="datetimeFigureOut">
               <a:rPr lang="zh-TW" altLang="en-US" smtClean="0"/>
-              <a:t>2020/6/20</a:t>
+              <a:pPr/>
+              <a:t>2021/5/9</a:t>
             </a:fld>
             <a:endParaRPr lang="zh-TW" altLang="en-US"/>
           </a:p>
@@ -351,6 +352,7 @@
           <a:p>
             <a:fld id="{367D1F87-A38F-4C91-8CC9-FACBB0EBFE71}" type="slidenum">
               <a:rPr lang="zh-TW" altLang="en-US" smtClean="0"/>
+              <a:pPr/>
               <a:t>‹#›</a:t>
             </a:fld>
             <a:endParaRPr lang="zh-TW" altLang="en-US"/>
@@ -360,7 +362,7 @@
     </p:spTree>
     <p:extLst>
       <p:ext uri="{BB962C8B-B14F-4D97-AF65-F5344CB8AC3E}">
-        <p14:creationId xmlns:p14="http://schemas.microsoft.com/office/powerpoint/2010/main" val="3885231453"/>
+        <p14:creationId xmlns:p14="http://schemas.microsoft.com/office/powerpoint/2010/main" xmlns="" val="3885231453"/>
       </p:ext>
     </p:extLst>
   </p:cSld>
@@ -479,7 +481,8 @@
           <a:p>
             <a:fld id="{B7E41356-7F95-4A17-998E-B5F5C8926EE7}" type="datetimeFigureOut">
               <a:rPr lang="zh-TW" altLang="en-US" smtClean="0"/>
-              <a:t>2020/6/20</a:t>
+              <a:pPr/>
+              <a:t>2021/5/9</a:t>
             </a:fld>
             <a:endParaRPr lang="zh-TW" altLang="en-US"/>
           </a:p>
@@ -521,6 +524,7 @@
           <a:p>
             <a:fld id="{367D1F87-A38F-4C91-8CC9-FACBB0EBFE71}" type="slidenum">
               <a:rPr lang="zh-TW" altLang="en-US" smtClean="0"/>
+              <a:pPr/>
               <a:t>‹#›</a:t>
             </a:fld>
             <a:endParaRPr lang="zh-TW" altLang="en-US"/>
@@ -530,7 +534,7 @@
     </p:spTree>
     <p:extLst>
       <p:ext uri="{BB962C8B-B14F-4D97-AF65-F5344CB8AC3E}">
-        <p14:creationId xmlns:p14="http://schemas.microsoft.com/office/powerpoint/2010/main" val="749258220"/>
+        <p14:creationId xmlns:p14="http://schemas.microsoft.com/office/powerpoint/2010/main" xmlns="" val="749258220"/>
       </p:ext>
     </p:extLst>
   </p:cSld>
@@ -659,7 +663,8 @@
           <a:p>
             <a:fld id="{B7E41356-7F95-4A17-998E-B5F5C8926EE7}" type="datetimeFigureOut">
               <a:rPr lang="zh-TW" altLang="en-US" smtClean="0"/>
-              <a:t>2020/6/20</a:t>
+              <a:pPr/>
+              <a:t>2021/5/9</a:t>
             </a:fld>
             <a:endParaRPr lang="zh-TW" altLang="en-US"/>
           </a:p>
@@ -701,6 +706,7 @@
           <a:p>
             <a:fld id="{367D1F87-A38F-4C91-8CC9-FACBB0EBFE71}" type="slidenum">
               <a:rPr lang="zh-TW" altLang="en-US" smtClean="0"/>
+              <a:pPr/>
               <a:t>‹#›</a:t>
             </a:fld>
             <a:endParaRPr lang="zh-TW" altLang="en-US"/>
@@ -710,7 +716,7 @@
     </p:spTree>
     <p:extLst>
       <p:ext uri="{BB962C8B-B14F-4D97-AF65-F5344CB8AC3E}">
-        <p14:creationId xmlns:p14="http://schemas.microsoft.com/office/powerpoint/2010/main" val="3145143126"/>
+        <p14:creationId xmlns:p14="http://schemas.microsoft.com/office/powerpoint/2010/main" xmlns="" val="3145143126"/>
       </p:ext>
     </p:extLst>
   </p:cSld>
@@ -829,7 +835,8 @@
           <a:p>
             <a:fld id="{B7E41356-7F95-4A17-998E-B5F5C8926EE7}" type="datetimeFigureOut">
               <a:rPr lang="zh-TW" altLang="en-US" smtClean="0"/>
-              <a:t>2020/6/20</a:t>
+              <a:pPr/>
+              <a:t>2021/5/9</a:t>
             </a:fld>
             <a:endParaRPr lang="zh-TW" altLang="en-US"/>
           </a:p>
@@ -871,6 +878,7 @@
           <a:p>
             <a:fld id="{367D1F87-A38F-4C91-8CC9-FACBB0EBFE71}" type="slidenum">
               <a:rPr lang="zh-TW" altLang="en-US" smtClean="0"/>
+              <a:pPr/>
               <a:t>‹#›</a:t>
             </a:fld>
             <a:endParaRPr lang="zh-TW" altLang="en-US"/>
@@ -880,7 +888,7 @@
     </p:spTree>
     <p:extLst>
       <p:ext uri="{BB962C8B-B14F-4D97-AF65-F5344CB8AC3E}">
-        <p14:creationId xmlns:p14="http://schemas.microsoft.com/office/powerpoint/2010/main" val="2332883979"/>
+        <p14:creationId xmlns:p14="http://schemas.microsoft.com/office/powerpoint/2010/main" xmlns="" val="2332883979"/>
       </p:ext>
     </p:extLst>
   </p:cSld>
@@ -1075,7 +1083,8 @@
           <a:p>
             <a:fld id="{B7E41356-7F95-4A17-998E-B5F5C8926EE7}" type="datetimeFigureOut">
               <a:rPr lang="zh-TW" altLang="en-US" smtClean="0"/>
-              <a:t>2020/6/20</a:t>
+              <a:pPr/>
+              <a:t>2021/5/9</a:t>
             </a:fld>
             <a:endParaRPr lang="zh-TW" altLang="en-US"/>
           </a:p>
@@ -1117,6 +1126,7 @@
           <a:p>
             <a:fld id="{367D1F87-A38F-4C91-8CC9-FACBB0EBFE71}" type="slidenum">
               <a:rPr lang="zh-TW" altLang="en-US" smtClean="0"/>
+              <a:pPr/>
               <a:t>‹#›</a:t>
             </a:fld>
             <a:endParaRPr lang="zh-TW" altLang="en-US"/>
@@ -1126,7 +1136,7 @@
     </p:spTree>
     <p:extLst>
       <p:ext uri="{BB962C8B-B14F-4D97-AF65-F5344CB8AC3E}">
-        <p14:creationId xmlns:p14="http://schemas.microsoft.com/office/powerpoint/2010/main" val="3070544562"/>
+        <p14:creationId xmlns:p14="http://schemas.microsoft.com/office/powerpoint/2010/main" xmlns="" val="3070544562"/>
       </p:ext>
     </p:extLst>
   </p:cSld>
@@ -1363,7 +1373,8 @@
           <a:p>
             <a:fld id="{B7E41356-7F95-4A17-998E-B5F5C8926EE7}" type="datetimeFigureOut">
               <a:rPr lang="zh-TW" altLang="en-US" smtClean="0"/>
-              <a:t>2020/6/20</a:t>
+              <a:pPr/>
+              <a:t>2021/5/9</a:t>
             </a:fld>
             <a:endParaRPr lang="zh-TW" altLang="en-US"/>
           </a:p>
@@ -1405,6 +1416,7 @@
           <a:p>
             <a:fld id="{367D1F87-A38F-4C91-8CC9-FACBB0EBFE71}" type="slidenum">
               <a:rPr lang="zh-TW" altLang="en-US" smtClean="0"/>
+              <a:pPr/>
               <a:t>‹#›</a:t>
             </a:fld>
             <a:endParaRPr lang="zh-TW" altLang="en-US"/>
@@ -1414,7 +1426,7 @@
     </p:spTree>
     <p:extLst>
       <p:ext uri="{BB962C8B-B14F-4D97-AF65-F5344CB8AC3E}">
-        <p14:creationId xmlns:p14="http://schemas.microsoft.com/office/powerpoint/2010/main" val="3370932141"/>
+        <p14:creationId xmlns:p14="http://schemas.microsoft.com/office/powerpoint/2010/main" xmlns="" val="3370932141"/>
       </p:ext>
     </p:extLst>
   </p:cSld>
@@ -1785,7 +1797,8 @@
           <a:p>
             <a:fld id="{B7E41356-7F95-4A17-998E-B5F5C8926EE7}" type="datetimeFigureOut">
               <a:rPr lang="zh-TW" altLang="en-US" smtClean="0"/>
-              <a:t>2020/6/20</a:t>
+              <a:pPr/>
+              <a:t>2021/5/9</a:t>
             </a:fld>
             <a:endParaRPr lang="zh-TW" altLang="en-US"/>
           </a:p>
@@ -1827,6 +1840,7 @@
           <a:p>
             <a:fld id="{367D1F87-A38F-4C91-8CC9-FACBB0EBFE71}" type="slidenum">
               <a:rPr lang="zh-TW" altLang="en-US" smtClean="0"/>
+              <a:pPr/>
               <a:t>‹#›</a:t>
             </a:fld>
             <a:endParaRPr lang="zh-TW" altLang="en-US"/>
@@ -1836,7 +1850,7 @@
     </p:spTree>
     <p:extLst>
       <p:ext uri="{BB962C8B-B14F-4D97-AF65-F5344CB8AC3E}">
-        <p14:creationId xmlns:p14="http://schemas.microsoft.com/office/powerpoint/2010/main" val="3666043664"/>
+        <p14:creationId xmlns:p14="http://schemas.microsoft.com/office/powerpoint/2010/main" xmlns="" val="3666043664"/>
       </p:ext>
     </p:extLst>
   </p:cSld>
@@ -1903,7 +1917,8 @@
           <a:p>
             <a:fld id="{B7E41356-7F95-4A17-998E-B5F5C8926EE7}" type="datetimeFigureOut">
               <a:rPr lang="zh-TW" altLang="en-US" smtClean="0"/>
-              <a:t>2020/6/20</a:t>
+              <a:pPr/>
+              <a:t>2021/5/9</a:t>
             </a:fld>
             <a:endParaRPr lang="zh-TW" altLang="en-US"/>
           </a:p>
@@ -1945,6 +1960,7 @@
           <a:p>
             <a:fld id="{367D1F87-A38F-4C91-8CC9-FACBB0EBFE71}" type="slidenum">
               <a:rPr lang="zh-TW" altLang="en-US" smtClean="0"/>
+              <a:pPr/>
               <a:t>‹#›</a:t>
             </a:fld>
             <a:endParaRPr lang="zh-TW" altLang="en-US"/>
@@ -1954,7 +1970,7 @@
     </p:spTree>
     <p:extLst>
       <p:ext uri="{BB962C8B-B14F-4D97-AF65-F5344CB8AC3E}">
-        <p14:creationId xmlns:p14="http://schemas.microsoft.com/office/powerpoint/2010/main" val="1675442690"/>
+        <p14:creationId xmlns:p14="http://schemas.microsoft.com/office/powerpoint/2010/main" xmlns="" val="1675442690"/>
       </p:ext>
     </p:extLst>
   </p:cSld>
@@ -1998,7 +2014,8 @@
           <a:p>
             <a:fld id="{B7E41356-7F95-4A17-998E-B5F5C8926EE7}" type="datetimeFigureOut">
               <a:rPr lang="zh-TW" altLang="en-US" smtClean="0"/>
-              <a:t>2020/6/20</a:t>
+              <a:pPr/>
+              <a:t>2021/5/9</a:t>
             </a:fld>
             <a:endParaRPr lang="zh-TW" altLang="en-US"/>
           </a:p>
@@ -2040,6 +2057,7 @@
           <a:p>
             <a:fld id="{367D1F87-A38F-4C91-8CC9-FACBB0EBFE71}" type="slidenum">
               <a:rPr lang="zh-TW" altLang="en-US" smtClean="0"/>
+              <a:pPr/>
               <a:t>‹#›</a:t>
             </a:fld>
             <a:endParaRPr lang="zh-TW" altLang="en-US"/>
@@ -2049,7 +2067,7 @@
     </p:spTree>
     <p:extLst>
       <p:ext uri="{BB962C8B-B14F-4D97-AF65-F5344CB8AC3E}">
-        <p14:creationId xmlns:p14="http://schemas.microsoft.com/office/powerpoint/2010/main" val="2046264979"/>
+        <p14:creationId xmlns:p14="http://schemas.microsoft.com/office/powerpoint/2010/main" xmlns="" val="2046264979"/>
       </p:ext>
     </p:extLst>
   </p:cSld>
@@ -2275,7 +2293,8 @@
           <a:p>
             <a:fld id="{B7E41356-7F95-4A17-998E-B5F5C8926EE7}" type="datetimeFigureOut">
               <a:rPr lang="zh-TW" altLang="en-US" smtClean="0"/>
-              <a:t>2020/6/20</a:t>
+              <a:pPr/>
+              <a:t>2021/5/9</a:t>
             </a:fld>
             <a:endParaRPr lang="zh-TW" altLang="en-US"/>
           </a:p>
@@ -2317,6 +2336,7 @@
           <a:p>
             <a:fld id="{367D1F87-A38F-4C91-8CC9-FACBB0EBFE71}" type="slidenum">
               <a:rPr lang="zh-TW" altLang="en-US" smtClean="0"/>
+              <a:pPr/>
               <a:t>‹#›</a:t>
             </a:fld>
             <a:endParaRPr lang="zh-TW" altLang="en-US"/>
@@ -2326,7 +2346,7 @@
     </p:spTree>
     <p:extLst>
       <p:ext uri="{BB962C8B-B14F-4D97-AF65-F5344CB8AC3E}">
-        <p14:creationId xmlns:p14="http://schemas.microsoft.com/office/powerpoint/2010/main" val="410524450"/>
+        <p14:creationId xmlns:p14="http://schemas.microsoft.com/office/powerpoint/2010/main" xmlns="" val="410524450"/>
       </p:ext>
     </p:extLst>
   </p:cSld>
@@ -2528,7 +2548,8 @@
           <a:p>
             <a:fld id="{B7E41356-7F95-4A17-998E-B5F5C8926EE7}" type="datetimeFigureOut">
               <a:rPr lang="zh-TW" altLang="en-US" smtClean="0"/>
-              <a:t>2020/6/20</a:t>
+              <a:pPr/>
+              <a:t>2021/5/9</a:t>
             </a:fld>
             <a:endParaRPr lang="zh-TW" altLang="en-US"/>
           </a:p>
@@ -2570,6 +2591,7 @@
           <a:p>
             <a:fld id="{367D1F87-A38F-4C91-8CC9-FACBB0EBFE71}" type="slidenum">
               <a:rPr lang="zh-TW" altLang="en-US" smtClean="0"/>
+              <a:pPr/>
               <a:t>‹#›</a:t>
             </a:fld>
             <a:endParaRPr lang="zh-TW" altLang="en-US"/>
@@ -2579,7 +2601,7 @@
     </p:spTree>
     <p:extLst>
       <p:ext uri="{BB962C8B-B14F-4D97-AF65-F5344CB8AC3E}">
-        <p14:creationId xmlns:p14="http://schemas.microsoft.com/office/powerpoint/2010/main" val="4075014388"/>
+        <p14:creationId xmlns:p14="http://schemas.microsoft.com/office/powerpoint/2010/main" xmlns="" val="4075014388"/>
       </p:ext>
     </p:extLst>
   </p:cSld>
@@ -2741,7 +2763,8 @@
           <a:p>
             <a:fld id="{B7E41356-7F95-4A17-998E-B5F5C8926EE7}" type="datetimeFigureOut">
               <a:rPr lang="zh-TW" altLang="en-US" smtClean="0"/>
-              <a:t>2020/6/20</a:t>
+              <a:pPr/>
+              <a:t>2021/5/9</a:t>
             </a:fld>
             <a:endParaRPr lang="zh-TW" altLang="en-US"/>
           </a:p>
@@ -2819,6 +2842,7 @@
           <a:p>
             <a:fld id="{367D1F87-A38F-4C91-8CC9-FACBB0EBFE71}" type="slidenum">
               <a:rPr lang="zh-TW" altLang="en-US" smtClean="0"/>
+              <a:pPr/>
               <a:t>‹#›</a:t>
             </a:fld>
             <a:endParaRPr lang="zh-TW" altLang="en-US"/>
@@ -2828,7 +2852,7 @@
     </p:spTree>
     <p:extLst>
       <p:ext uri="{BB962C8B-B14F-4D97-AF65-F5344CB8AC3E}">
-        <p14:creationId xmlns:p14="http://schemas.microsoft.com/office/powerpoint/2010/main" val="3326817085"/>
+        <p14:creationId xmlns:p14="http://schemas.microsoft.com/office/powerpoint/2010/main" xmlns="" val="3326817085"/>
       </p:ext>
     </p:extLst>
   </p:cSld>
@@ -3128,7 +3152,7 @@
           <a:blip r:embed="rId2">
             <a:extLst>
               <a:ext uri="{28A0092B-C50C-407E-A947-70E740481C1C}">
-                <a14:useLocalDpi xmlns:a14="http://schemas.microsoft.com/office/drawing/2010/main" val="0"/>
+                <a14:useLocalDpi xmlns:a14="http://schemas.microsoft.com/office/drawing/2010/main" xmlns="" val="0"/>
               </a:ext>
             </a:extLst>
           </a:blip>
@@ -3148,7 +3172,7 @@
           <a:noFill/>
           <a:extLst>
             <a:ext uri="{909E8E84-426E-40DD-AFC4-6F175D3DCCD1}">
-              <a14:hiddenFill xmlns:a14="http://schemas.microsoft.com/office/drawing/2010/main">
+              <a14:hiddenFill xmlns:a14="http://schemas.microsoft.com/office/drawing/2010/main" xmlns="">
                 <a:solidFill>
                   <a:srgbClr val="FFFFFF"/>
                 </a:solidFill>
@@ -3223,7 +3247,7 @@
           <a:blip r:embed="rId3" cstate="print">
             <a:extLst>
               <a:ext uri="{28A0092B-C50C-407E-A947-70E740481C1C}">
-                <a14:useLocalDpi xmlns:a14="http://schemas.microsoft.com/office/drawing/2010/main" val="0"/>
+                <a14:useLocalDpi xmlns:a14="http://schemas.microsoft.com/office/drawing/2010/main" xmlns="" val="0"/>
               </a:ext>
             </a:extLst>
           </a:blip>
@@ -3243,7 +3267,7 @@
           <a:noFill/>
           <a:extLst>
             <a:ext uri="{909E8E84-426E-40DD-AFC4-6F175D3DCCD1}">
-              <a14:hiddenFill xmlns:a14="http://schemas.microsoft.com/office/drawing/2010/main">
+              <a14:hiddenFill xmlns:a14="http://schemas.microsoft.com/office/drawing/2010/main" xmlns="">
                 <a:solidFill>
                   <a:srgbClr val="FFFFFF"/>
                 </a:solidFill>
@@ -3334,7 +3358,7 @@
           <a:blip r:embed="rId3" cstate="print">
             <a:extLst>
               <a:ext uri="{28A0092B-C50C-407E-A947-70E740481C1C}">
-                <a14:useLocalDpi xmlns:a14="http://schemas.microsoft.com/office/drawing/2010/main" val="0"/>
+                <a14:useLocalDpi xmlns:a14="http://schemas.microsoft.com/office/drawing/2010/main" xmlns="" val="0"/>
               </a:ext>
             </a:extLst>
           </a:blip>
@@ -3354,7 +3378,7 @@
           <a:noFill/>
           <a:extLst>
             <a:ext uri="{909E8E84-426E-40DD-AFC4-6F175D3DCCD1}">
-              <a14:hiddenFill xmlns:a14="http://schemas.microsoft.com/office/drawing/2010/main">
+              <a14:hiddenFill xmlns:a14="http://schemas.microsoft.com/office/drawing/2010/main" xmlns="">
                 <a:solidFill>
                   <a:srgbClr val="FFFFFF"/>
                 </a:solidFill>
@@ -3366,7 +3390,7 @@
     </p:spTree>
     <p:extLst>
       <p:ext uri="{BB962C8B-B14F-4D97-AF65-F5344CB8AC3E}">
-        <p14:creationId xmlns:p14="http://schemas.microsoft.com/office/powerpoint/2010/main" val="1332049301"/>
+        <p14:creationId xmlns:p14="http://schemas.microsoft.com/office/powerpoint/2010/main" xmlns="" val="1332049301"/>
       </p:ext>
     </p:extLst>
   </p:cSld>
@@ -3412,7 +3436,7 @@
           <a:blip r:embed="rId2">
             <a:extLst>
               <a:ext uri="{28A0092B-C50C-407E-A947-70E740481C1C}">
-                <a14:useLocalDpi xmlns:a14="http://schemas.microsoft.com/office/drawing/2010/main" val="0"/>
+                <a14:useLocalDpi xmlns:a14="http://schemas.microsoft.com/office/drawing/2010/main" xmlns="" val="0"/>
               </a:ext>
             </a:extLst>
           </a:blip>
@@ -3436,14 +3460,14 @@
           <a:effectLst/>
           <a:extLst>
             <a:ext uri="{909E8E84-426E-40DD-AFC4-6F175D3DCCD1}">
-              <a14:hiddenFill xmlns:a14="http://schemas.microsoft.com/office/drawing/2010/main">
+              <a14:hiddenFill xmlns:a14="http://schemas.microsoft.com/office/drawing/2010/main" xmlns="">
                 <a:solidFill>
                   <a:schemeClr val="accent1"/>
                 </a:solidFill>
               </a14:hiddenFill>
             </a:ext>
             <a:ext uri="{91240B29-F687-4F45-9708-019B960494DF}">
-              <a14:hiddenLine xmlns:a14="http://schemas.microsoft.com/office/drawing/2010/main" w="9525">
+              <a14:hiddenLine xmlns:a14="http://schemas.microsoft.com/office/drawing/2010/main" xmlns="" w="9525">
                 <a:solidFill>
                   <a:schemeClr val="tx1"/>
                 </a:solidFill>
@@ -3453,7 +3477,7 @@
               </a14:hiddenLine>
             </a:ext>
             <a:ext uri="{AF507438-7753-43E0-B8FC-AC1667EBCBE1}">
-              <a14:hiddenEffects xmlns:a14="http://schemas.microsoft.com/office/drawing/2010/main">
+              <a14:hiddenEffects xmlns:a14="http://schemas.microsoft.com/office/drawing/2010/main" xmlns="">
                 <a:effectLst>
                   <a:outerShdw dist="35921" dir="2700000" algn="ctr" rotWithShape="0">
                     <a:schemeClr val="bg2"/>
@@ -3633,7 +3657,7 @@
           <a:blip r:embed="rId3">
             <a:extLst>
               <a:ext uri="{28A0092B-C50C-407E-A947-70E740481C1C}">
-                <a14:useLocalDpi xmlns:a14="http://schemas.microsoft.com/office/drawing/2010/main" val="0"/>
+                <a14:useLocalDpi xmlns:a14="http://schemas.microsoft.com/office/drawing/2010/main" xmlns="" val="0"/>
               </a:ext>
             </a:extLst>
           </a:blip>
@@ -3653,7 +3677,7 @@
           <a:noFill/>
           <a:extLst>
             <a:ext uri="{909E8E84-426E-40DD-AFC4-6F175D3DCCD1}">
-              <a14:hiddenFill xmlns:a14="http://schemas.microsoft.com/office/drawing/2010/main">
+              <a14:hiddenFill xmlns:a14="http://schemas.microsoft.com/office/drawing/2010/main" xmlns="">
                 <a:solidFill>
                   <a:srgbClr val="FFFFFF"/>
                 </a:solidFill>
@@ -3674,7 +3698,7 @@
           <a:blip r:embed="rId3">
             <a:extLst>
               <a:ext uri="{28A0092B-C50C-407E-A947-70E740481C1C}">
-                <a14:useLocalDpi xmlns:a14="http://schemas.microsoft.com/office/drawing/2010/main" val="0"/>
+                <a14:useLocalDpi xmlns:a14="http://schemas.microsoft.com/office/drawing/2010/main" xmlns="" val="0"/>
               </a:ext>
             </a:extLst>
           </a:blip>
@@ -3694,7 +3718,7 @@
           <a:noFill/>
           <a:extLst>
             <a:ext uri="{909E8E84-426E-40DD-AFC4-6F175D3DCCD1}">
-              <a14:hiddenFill xmlns:a14="http://schemas.microsoft.com/office/drawing/2010/main">
+              <a14:hiddenFill xmlns:a14="http://schemas.microsoft.com/office/drawing/2010/main" xmlns="">
                 <a:solidFill>
                   <a:srgbClr val="FFFFFF"/>
                 </a:solidFill>
@@ -3715,7 +3739,7 @@
           <a:blip r:embed="rId3">
             <a:extLst>
               <a:ext uri="{28A0092B-C50C-407E-A947-70E740481C1C}">
-                <a14:useLocalDpi xmlns:a14="http://schemas.microsoft.com/office/drawing/2010/main" val="0"/>
+                <a14:useLocalDpi xmlns:a14="http://schemas.microsoft.com/office/drawing/2010/main" xmlns="" val="0"/>
               </a:ext>
             </a:extLst>
           </a:blip>
@@ -3735,7 +3759,7 @@
           <a:noFill/>
           <a:extLst>
             <a:ext uri="{909E8E84-426E-40DD-AFC4-6F175D3DCCD1}">
-              <a14:hiddenFill xmlns:a14="http://schemas.microsoft.com/office/drawing/2010/main">
+              <a14:hiddenFill xmlns:a14="http://schemas.microsoft.com/office/drawing/2010/main" xmlns="">
                 <a:solidFill>
                   <a:srgbClr val="FFFFFF"/>
                 </a:solidFill>
@@ -3747,7 +3771,7 @@
     </p:spTree>
     <p:extLst>
       <p:ext uri="{BB962C8B-B14F-4D97-AF65-F5344CB8AC3E}">
-        <p14:creationId xmlns:p14="http://schemas.microsoft.com/office/powerpoint/2010/main" val="2540594232"/>
+        <p14:creationId xmlns:p14="http://schemas.microsoft.com/office/powerpoint/2010/main" xmlns="" val="2540594232"/>
       </p:ext>
     </p:extLst>
   </p:cSld>
@@ -3793,7 +3817,7 @@
           <a:blip r:embed="rId2">
             <a:extLst>
               <a:ext uri="{28A0092B-C50C-407E-A947-70E740481C1C}">
-                <a14:useLocalDpi xmlns:a14="http://schemas.microsoft.com/office/drawing/2010/main" val="0"/>
+                <a14:useLocalDpi xmlns:a14="http://schemas.microsoft.com/office/drawing/2010/main" xmlns="" val="0"/>
               </a:ext>
             </a:extLst>
           </a:blip>
@@ -3817,14 +3841,14 @@
           <a:effectLst/>
           <a:extLst>
             <a:ext uri="{909E8E84-426E-40DD-AFC4-6F175D3DCCD1}">
-              <a14:hiddenFill xmlns:a14="http://schemas.microsoft.com/office/drawing/2010/main">
+              <a14:hiddenFill xmlns:a14="http://schemas.microsoft.com/office/drawing/2010/main" xmlns="">
                 <a:solidFill>
                   <a:schemeClr val="accent1"/>
                 </a:solidFill>
               </a14:hiddenFill>
             </a:ext>
             <a:ext uri="{91240B29-F687-4F45-9708-019B960494DF}">
-              <a14:hiddenLine xmlns:a14="http://schemas.microsoft.com/office/drawing/2010/main" w="9525">
+              <a14:hiddenLine xmlns:a14="http://schemas.microsoft.com/office/drawing/2010/main" xmlns="" w="9525">
                 <a:solidFill>
                   <a:schemeClr val="tx1"/>
                 </a:solidFill>
@@ -3834,7 +3858,7 @@
               </a14:hiddenLine>
             </a:ext>
             <a:ext uri="{AF507438-7753-43E0-B8FC-AC1667EBCBE1}">
-              <a14:hiddenEffects xmlns:a14="http://schemas.microsoft.com/office/drawing/2010/main">
+              <a14:hiddenEffects xmlns:a14="http://schemas.microsoft.com/office/drawing/2010/main" xmlns="">
                 <a:effectLst>
                   <a:outerShdw dist="35921" dir="2700000" algn="ctr" rotWithShape="0">
                     <a:schemeClr val="bg2"/>
@@ -4014,7 +4038,7 @@
           <a:blip r:embed="rId3">
             <a:extLst>
               <a:ext uri="{28A0092B-C50C-407E-A947-70E740481C1C}">
-                <a14:useLocalDpi xmlns:a14="http://schemas.microsoft.com/office/drawing/2010/main" val="0"/>
+                <a14:useLocalDpi xmlns:a14="http://schemas.microsoft.com/office/drawing/2010/main" xmlns="" val="0"/>
               </a:ext>
             </a:extLst>
           </a:blip>
@@ -4034,7 +4058,7 @@
           <a:noFill/>
           <a:extLst>
             <a:ext uri="{909E8E84-426E-40DD-AFC4-6F175D3DCCD1}">
-              <a14:hiddenFill xmlns:a14="http://schemas.microsoft.com/office/drawing/2010/main">
+              <a14:hiddenFill xmlns:a14="http://schemas.microsoft.com/office/drawing/2010/main" xmlns="">
                 <a:solidFill>
                   <a:srgbClr val="FFFFFF"/>
                 </a:solidFill>
@@ -4055,7 +4079,7 @@
           <a:blip r:embed="rId3">
             <a:extLst>
               <a:ext uri="{28A0092B-C50C-407E-A947-70E740481C1C}">
-                <a14:useLocalDpi xmlns:a14="http://schemas.microsoft.com/office/drawing/2010/main" val="0"/>
+                <a14:useLocalDpi xmlns:a14="http://schemas.microsoft.com/office/drawing/2010/main" xmlns="" val="0"/>
               </a:ext>
             </a:extLst>
           </a:blip>
@@ -4075,7 +4099,7 @@
           <a:noFill/>
           <a:extLst>
             <a:ext uri="{909E8E84-426E-40DD-AFC4-6F175D3DCCD1}">
-              <a14:hiddenFill xmlns:a14="http://schemas.microsoft.com/office/drawing/2010/main">
+              <a14:hiddenFill xmlns:a14="http://schemas.microsoft.com/office/drawing/2010/main" xmlns="">
                 <a:solidFill>
                   <a:srgbClr val="FFFFFF"/>
                 </a:solidFill>
@@ -4096,7 +4120,7 @@
           <a:blip r:embed="rId3">
             <a:extLst>
               <a:ext uri="{28A0092B-C50C-407E-A947-70E740481C1C}">
-                <a14:useLocalDpi xmlns:a14="http://schemas.microsoft.com/office/drawing/2010/main" val="0"/>
+                <a14:useLocalDpi xmlns:a14="http://schemas.microsoft.com/office/drawing/2010/main" xmlns="" val="0"/>
               </a:ext>
             </a:extLst>
           </a:blip>
@@ -4116,7 +4140,7 @@
           <a:noFill/>
           <a:extLst>
             <a:ext uri="{909E8E84-426E-40DD-AFC4-6F175D3DCCD1}">
-              <a14:hiddenFill xmlns:a14="http://schemas.microsoft.com/office/drawing/2010/main">
+              <a14:hiddenFill xmlns:a14="http://schemas.microsoft.com/office/drawing/2010/main" xmlns="">
                 <a:solidFill>
                   <a:srgbClr val="FFFFFF"/>
                 </a:solidFill>
@@ -4137,7 +4161,7 @@
           <a:blip r:embed="rId3">
             <a:extLst>
               <a:ext uri="{28A0092B-C50C-407E-A947-70E740481C1C}">
-                <a14:useLocalDpi xmlns:a14="http://schemas.microsoft.com/office/drawing/2010/main" val="0"/>
+                <a14:useLocalDpi xmlns:a14="http://schemas.microsoft.com/office/drawing/2010/main" xmlns="" val="0"/>
               </a:ext>
             </a:extLst>
           </a:blip>
@@ -4157,7 +4181,7 @@
           <a:noFill/>
           <a:extLst>
             <a:ext uri="{909E8E84-426E-40DD-AFC4-6F175D3DCCD1}">
-              <a14:hiddenFill xmlns:a14="http://schemas.microsoft.com/office/drawing/2010/main">
+              <a14:hiddenFill xmlns:a14="http://schemas.microsoft.com/office/drawing/2010/main" xmlns="">
                 <a:solidFill>
                   <a:srgbClr val="FFFFFF"/>
                 </a:solidFill>
@@ -4169,7 +4193,7 @@
     </p:spTree>
     <p:extLst>
       <p:ext uri="{BB962C8B-B14F-4D97-AF65-F5344CB8AC3E}">
-        <p14:creationId xmlns:p14="http://schemas.microsoft.com/office/powerpoint/2010/main" val="814569739"/>
+        <p14:creationId xmlns:p14="http://schemas.microsoft.com/office/powerpoint/2010/main" xmlns="" val="814569739"/>
       </p:ext>
     </p:extLst>
   </p:cSld>
@@ -4215,7 +4239,7 @@
           <a:blip r:embed="rId2">
             <a:extLst>
               <a:ext uri="{28A0092B-C50C-407E-A947-70E740481C1C}">
-                <a14:useLocalDpi xmlns:a14="http://schemas.microsoft.com/office/drawing/2010/main" val="0"/>
+                <a14:useLocalDpi xmlns:a14="http://schemas.microsoft.com/office/drawing/2010/main" xmlns="" val="0"/>
               </a:ext>
             </a:extLst>
           </a:blip>
@@ -4239,14 +4263,14 @@
           <a:effectLst/>
           <a:extLst>
             <a:ext uri="{909E8E84-426E-40DD-AFC4-6F175D3DCCD1}">
-              <a14:hiddenFill xmlns:a14="http://schemas.microsoft.com/office/drawing/2010/main">
+              <a14:hiddenFill xmlns:a14="http://schemas.microsoft.com/office/drawing/2010/main" xmlns="">
                 <a:solidFill>
                   <a:schemeClr val="accent1"/>
                 </a:solidFill>
               </a14:hiddenFill>
             </a:ext>
             <a:ext uri="{91240B29-F687-4F45-9708-019B960494DF}">
-              <a14:hiddenLine xmlns:a14="http://schemas.microsoft.com/office/drawing/2010/main" w="9525">
+              <a14:hiddenLine xmlns:a14="http://schemas.microsoft.com/office/drawing/2010/main" xmlns="" w="9525">
                 <a:solidFill>
                   <a:schemeClr val="tx1"/>
                 </a:solidFill>
@@ -4256,7 +4280,7 @@
               </a14:hiddenLine>
             </a:ext>
             <a:ext uri="{AF507438-7753-43E0-B8FC-AC1667EBCBE1}">
-              <a14:hiddenEffects xmlns:a14="http://schemas.microsoft.com/office/drawing/2010/main">
+              <a14:hiddenEffects xmlns:a14="http://schemas.microsoft.com/office/drawing/2010/main" xmlns="">
                 <a:effectLst>
                   <a:outerShdw dist="35921" dir="2700000" algn="ctr" rotWithShape="0">
                     <a:schemeClr val="bg2"/>
@@ -4279,13 +4303,13 @@
         </p:nvSpPr>
         <p:spPr>
           <a:xfrm>
-            <a:off x="2042864" y="1063278"/>
-            <a:ext cx="8229600" cy="4525963"/>
+            <a:off x="1238216" y="428604"/>
+            <a:ext cx="10787138" cy="4525963"/>
           </a:xfrm>
         </p:spPr>
         <p:txBody>
           <a:bodyPr>
-            <a:normAutofit fontScale="92500"/>
+            <a:normAutofit/>
           </a:bodyPr>
           <a:lstStyle/>
           <a:p>
@@ -4453,7 +4477,7 @@
               <a:t>： </a:t>
             </a:r>
             <a:r>
-              <a:rPr lang="zh-TW" altLang="zh-TW" sz="4300" b="1" dirty="0">
+              <a:rPr lang="zh-TW" altLang="zh-TW" sz="5400" b="1" dirty="0">
                 <a:solidFill>
                   <a:srgbClr val="0070C0"/>
                 </a:solidFill>
@@ -4463,7 +4487,7 @@
               <a:t>你要做好孩子天天快樂</a:t>
             </a:r>
             <a:r>
-              <a:rPr lang="en-US" altLang="zh-TW" sz="4300" b="1" dirty="0">
+              <a:rPr lang="en-US" altLang="zh-TW" sz="5400" b="1" dirty="0">
                 <a:solidFill>
                   <a:srgbClr val="0070C0"/>
                 </a:solidFill>
@@ -4472,7 +4496,7 @@
               </a:rPr>
               <a:t>!</a:t>
             </a:r>
-            <a:endParaRPr lang="zh-TW" altLang="zh-TW" sz="4300" b="1" dirty="0">
+            <a:endParaRPr lang="zh-TW" altLang="zh-TW" sz="5400" b="1" dirty="0">
               <a:solidFill>
                 <a:srgbClr val="0070C0"/>
               </a:solidFill>
@@ -4539,7 +4563,7 @@
           <a:blip r:embed="rId3">
             <a:extLst>
               <a:ext uri="{28A0092B-C50C-407E-A947-70E740481C1C}">
-                <a14:useLocalDpi xmlns:a14="http://schemas.microsoft.com/office/drawing/2010/main" val="0"/>
+                <a14:useLocalDpi xmlns:a14="http://schemas.microsoft.com/office/drawing/2010/main" xmlns="" val="0"/>
               </a:ext>
             </a:extLst>
           </a:blip>
@@ -4550,7 +4574,7 @@
         </p:blipFill>
         <p:spPr bwMode="auto">
           <a:xfrm>
-            <a:off x="1549152" y="0"/>
+            <a:off x="4381488" y="4214818"/>
             <a:ext cx="3810000" cy="1905000"/>
           </a:xfrm>
           <a:prstGeom prst="rect">
@@ -4559,7 +4583,7 @@
           <a:noFill/>
           <a:extLst>
             <a:ext uri="{909E8E84-426E-40DD-AFC4-6F175D3DCCD1}">
-              <a14:hiddenFill xmlns:a14="http://schemas.microsoft.com/office/drawing/2010/main">
+              <a14:hiddenFill xmlns:a14="http://schemas.microsoft.com/office/drawing/2010/main" xmlns="">
                 <a:solidFill>
                   <a:srgbClr val="FFFFFF"/>
                 </a:solidFill>
@@ -4580,7 +4604,7 @@
           <a:blip r:embed="rId3">
             <a:extLst>
               <a:ext uri="{28A0092B-C50C-407E-A947-70E740481C1C}">
-                <a14:useLocalDpi xmlns:a14="http://schemas.microsoft.com/office/drawing/2010/main" val="0"/>
+                <a14:useLocalDpi xmlns:a14="http://schemas.microsoft.com/office/drawing/2010/main" xmlns="" val="0"/>
               </a:ext>
             </a:extLst>
           </a:blip>
@@ -4591,7 +4615,7 @@
         </p:blipFill>
         <p:spPr bwMode="auto">
           <a:xfrm>
-            <a:off x="4367808" y="0"/>
+            <a:off x="8096264" y="4143380"/>
             <a:ext cx="3810000" cy="1905000"/>
           </a:xfrm>
           <a:prstGeom prst="rect">
@@ -4600,7 +4624,7 @@
           <a:noFill/>
           <a:extLst>
             <a:ext uri="{909E8E84-426E-40DD-AFC4-6F175D3DCCD1}">
-              <a14:hiddenFill xmlns:a14="http://schemas.microsoft.com/office/drawing/2010/main">
+              <a14:hiddenFill xmlns:a14="http://schemas.microsoft.com/office/drawing/2010/main" xmlns="">
                 <a:solidFill>
                   <a:srgbClr val="FFFFFF"/>
                 </a:solidFill>
@@ -4621,7 +4645,7 @@
           <a:blip r:embed="rId3">
             <a:extLst>
               <a:ext uri="{28A0092B-C50C-407E-A947-70E740481C1C}">
-                <a14:useLocalDpi xmlns:a14="http://schemas.microsoft.com/office/drawing/2010/main" val="0"/>
+                <a14:useLocalDpi xmlns:a14="http://schemas.microsoft.com/office/drawing/2010/main" xmlns="" val="0"/>
               </a:ext>
             </a:extLst>
           </a:blip>
@@ -4632,7 +4656,7 @@
         </p:blipFill>
         <p:spPr bwMode="auto">
           <a:xfrm flipH="1">
-            <a:off x="6858000" y="62855"/>
+            <a:off x="452398" y="4143380"/>
             <a:ext cx="3810000" cy="1905000"/>
           </a:xfrm>
           <a:prstGeom prst="rect">
@@ -4641,7 +4665,7 @@
           <a:noFill/>
           <a:extLst>
             <a:ext uri="{909E8E84-426E-40DD-AFC4-6F175D3DCCD1}">
-              <a14:hiddenFill xmlns:a14="http://schemas.microsoft.com/office/drawing/2010/main">
+              <a14:hiddenFill xmlns:a14="http://schemas.microsoft.com/office/drawing/2010/main" xmlns="">
                 <a:solidFill>
                   <a:srgbClr val="FFFFFF"/>
                 </a:solidFill>
@@ -4653,7 +4677,7 @@
     </p:spTree>
     <p:extLst>
       <p:ext uri="{BB962C8B-B14F-4D97-AF65-F5344CB8AC3E}">
-        <p14:creationId xmlns:p14="http://schemas.microsoft.com/office/powerpoint/2010/main" val="814569739"/>
+        <p14:creationId xmlns:p14="http://schemas.microsoft.com/office/powerpoint/2010/main" xmlns="" val="814569739"/>
       </p:ext>
     </p:extLst>
   </p:cSld>
@@ -4699,7 +4723,7 @@
           <a:blip r:embed="rId2">
             <a:extLst>
               <a:ext uri="{28A0092B-C50C-407E-A947-70E740481C1C}">
-                <a14:useLocalDpi xmlns:a14="http://schemas.microsoft.com/office/drawing/2010/main" val="0"/>
+                <a14:useLocalDpi xmlns:a14="http://schemas.microsoft.com/office/drawing/2010/main" xmlns="" val="0"/>
               </a:ext>
             </a:extLst>
           </a:blip>
@@ -4723,14 +4747,14 @@
           <a:effectLst/>
           <a:extLst>
             <a:ext uri="{909E8E84-426E-40DD-AFC4-6F175D3DCCD1}">
-              <a14:hiddenFill xmlns:a14="http://schemas.microsoft.com/office/drawing/2010/main">
+              <a14:hiddenFill xmlns:a14="http://schemas.microsoft.com/office/drawing/2010/main" xmlns="">
                 <a:solidFill>
                   <a:schemeClr val="accent1"/>
                 </a:solidFill>
               </a14:hiddenFill>
             </a:ext>
             <a:ext uri="{91240B29-F687-4F45-9708-019B960494DF}">
-              <a14:hiddenLine xmlns:a14="http://schemas.microsoft.com/office/drawing/2010/main" w="9525">
+              <a14:hiddenLine xmlns:a14="http://schemas.microsoft.com/office/drawing/2010/main" xmlns="" w="9525">
                 <a:solidFill>
                   <a:schemeClr val="tx1"/>
                 </a:solidFill>
@@ -4740,7 +4764,7 @@
               </a14:hiddenLine>
             </a:ext>
             <a:ext uri="{AF507438-7753-43E0-B8FC-AC1667EBCBE1}">
-              <a14:hiddenEffects xmlns:a14="http://schemas.microsoft.com/office/drawing/2010/main">
+              <a14:hiddenEffects xmlns:a14="http://schemas.microsoft.com/office/drawing/2010/main" xmlns="">
                 <a:effectLst>
                   <a:outerShdw dist="35921" dir="2700000" algn="ctr" rotWithShape="0">
                     <a:schemeClr val="bg2"/>
@@ -4941,7 +4965,7 @@
           <a:blip r:embed="rId3">
             <a:extLst>
               <a:ext uri="{28A0092B-C50C-407E-A947-70E740481C1C}">
-                <a14:useLocalDpi xmlns:a14="http://schemas.microsoft.com/office/drawing/2010/main" val="0"/>
+                <a14:useLocalDpi xmlns:a14="http://schemas.microsoft.com/office/drawing/2010/main" xmlns="" val="0"/>
               </a:ext>
             </a:extLst>
           </a:blip>
@@ -4961,7 +4985,7 @@
           <a:noFill/>
           <a:extLst>
             <a:ext uri="{909E8E84-426E-40DD-AFC4-6F175D3DCCD1}">
-              <a14:hiddenFill xmlns:a14="http://schemas.microsoft.com/office/drawing/2010/main">
+              <a14:hiddenFill xmlns:a14="http://schemas.microsoft.com/office/drawing/2010/main" xmlns="">
                 <a:solidFill>
                   <a:srgbClr val="FFFFFF"/>
                 </a:solidFill>
@@ -4982,7 +5006,7 @@
           <a:blip r:embed="rId3">
             <a:extLst>
               <a:ext uri="{28A0092B-C50C-407E-A947-70E740481C1C}">
-                <a14:useLocalDpi xmlns:a14="http://schemas.microsoft.com/office/drawing/2010/main" val="0"/>
+                <a14:useLocalDpi xmlns:a14="http://schemas.microsoft.com/office/drawing/2010/main" xmlns="" val="0"/>
               </a:ext>
             </a:extLst>
           </a:blip>
@@ -5002,7 +5026,7 @@
           <a:noFill/>
           <a:extLst>
             <a:ext uri="{909E8E84-426E-40DD-AFC4-6F175D3DCCD1}">
-              <a14:hiddenFill xmlns:a14="http://schemas.microsoft.com/office/drawing/2010/main">
+              <a14:hiddenFill xmlns:a14="http://schemas.microsoft.com/office/drawing/2010/main" xmlns="">
                 <a:solidFill>
                   <a:srgbClr val="FFFFFF"/>
                 </a:solidFill>
@@ -5023,7 +5047,7 @@
           <a:blip r:embed="rId3">
             <a:extLst>
               <a:ext uri="{28A0092B-C50C-407E-A947-70E740481C1C}">
-                <a14:useLocalDpi xmlns:a14="http://schemas.microsoft.com/office/drawing/2010/main" val="0"/>
+                <a14:useLocalDpi xmlns:a14="http://schemas.microsoft.com/office/drawing/2010/main" xmlns="" val="0"/>
               </a:ext>
             </a:extLst>
           </a:blip>
@@ -5043,7 +5067,7 @@
           <a:noFill/>
           <a:extLst>
             <a:ext uri="{909E8E84-426E-40DD-AFC4-6F175D3DCCD1}">
-              <a14:hiddenFill xmlns:a14="http://schemas.microsoft.com/office/drawing/2010/main">
+              <a14:hiddenFill xmlns:a14="http://schemas.microsoft.com/office/drawing/2010/main" xmlns="">
                 <a:solidFill>
                   <a:srgbClr val="FFFFFF"/>
                 </a:solidFill>
@@ -5064,7 +5088,7 @@
           <a:blip r:embed="rId3">
             <a:extLst>
               <a:ext uri="{28A0092B-C50C-407E-A947-70E740481C1C}">
-                <a14:useLocalDpi xmlns:a14="http://schemas.microsoft.com/office/drawing/2010/main" val="0"/>
+                <a14:useLocalDpi xmlns:a14="http://schemas.microsoft.com/office/drawing/2010/main" xmlns="" val="0"/>
               </a:ext>
             </a:extLst>
           </a:blip>
@@ -5084,7 +5108,7 @@
           <a:noFill/>
           <a:extLst>
             <a:ext uri="{909E8E84-426E-40DD-AFC4-6F175D3DCCD1}">
-              <a14:hiddenFill xmlns:a14="http://schemas.microsoft.com/office/drawing/2010/main">
+              <a14:hiddenFill xmlns:a14="http://schemas.microsoft.com/office/drawing/2010/main" xmlns="">
                 <a:solidFill>
                   <a:srgbClr val="FFFFFF"/>
                 </a:solidFill>
@@ -5096,7 +5120,7 @@
     </p:spTree>
     <p:extLst>
       <p:ext uri="{BB962C8B-B14F-4D97-AF65-F5344CB8AC3E}">
-        <p14:creationId xmlns:p14="http://schemas.microsoft.com/office/powerpoint/2010/main" val="814569739"/>
+        <p14:creationId xmlns:p14="http://schemas.microsoft.com/office/powerpoint/2010/main" xmlns="" val="814569739"/>
       </p:ext>
     </p:extLst>
   </p:cSld>
@@ -5142,7 +5166,7 @@
           <a:blip r:embed="rId2">
             <a:extLst>
               <a:ext uri="{28A0092B-C50C-407E-A947-70E740481C1C}">
-                <a14:useLocalDpi xmlns:a14="http://schemas.microsoft.com/office/drawing/2010/main" val="0"/>
+                <a14:useLocalDpi xmlns:a14="http://schemas.microsoft.com/office/drawing/2010/main" xmlns="" val="0"/>
               </a:ext>
             </a:extLst>
           </a:blip>
@@ -5166,14 +5190,14 @@
           <a:effectLst/>
           <a:extLst>
             <a:ext uri="{909E8E84-426E-40DD-AFC4-6F175D3DCCD1}">
-              <a14:hiddenFill xmlns:a14="http://schemas.microsoft.com/office/drawing/2010/main">
+              <a14:hiddenFill xmlns:a14="http://schemas.microsoft.com/office/drawing/2010/main" xmlns="">
                 <a:solidFill>
                   <a:schemeClr val="accent1"/>
                 </a:solidFill>
               </a14:hiddenFill>
             </a:ext>
             <a:ext uri="{91240B29-F687-4F45-9708-019B960494DF}">
-              <a14:hiddenLine xmlns:a14="http://schemas.microsoft.com/office/drawing/2010/main" w="9525">
+              <a14:hiddenLine xmlns:a14="http://schemas.microsoft.com/office/drawing/2010/main" xmlns="" w="9525">
                 <a:solidFill>
                   <a:schemeClr val="tx1"/>
                 </a:solidFill>
@@ -5183,7 +5207,7 @@
               </a14:hiddenLine>
             </a:ext>
             <a:ext uri="{AF507438-7753-43E0-B8FC-AC1667EBCBE1}">
-              <a14:hiddenEffects xmlns:a14="http://schemas.microsoft.com/office/drawing/2010/main">
+              <a14:hiddenEffects xmlns:a14="http://schemas.microsoft.com/office/drawing/2010/main" xmlns="">
                 <a:effectLst>
                   <a:outerShdw dist="35921" dir="2700000" algn="ctr" rotWithShape="0">
                     <a:schemeClr val="bg2"/>
@@ -5261,7 +5285,7 @@
           <a:blip r:embed="rId3">
             <a:extLst>
               <a:ext uri="{28A0092B-C50C-407E-A947-70E740481C1C}">
-                <a14:useLocalDpi xmlns:a14="http://schemas.microsoft.com/office/drawing/2010/main" val="0"/>
+                <a14:useLocalDpi xmlns:a14="http://schemas.microsoft.com/office/drawing/2010/main" xmlns="" val="0"/>
               </a:ext>
             </a:extLst>
           </a:blip>
@@ -5281,7 +5305,7 @@
           <a:noFill/>
           <a:extLst>
             <a:ext uri="{909E8E84-426E-40DD-AFC4-6F175D3DCCD1}">
-              <a14:hiddenFill xmlns:a14="http://schemas.microsoft.com/office/drawing/2010/main">
+              <a14:hiddenFill xmlns:a14="http://schemas.microsoft.com/office/drawing/2010/main" xmlns="">
                 <a:solidFill>
                   <a:srgbClr val="FFFFFF"/>
                 </a:solidFill>
@@ -5302,7 +5326,7 @@
           <a:blip r:embed="rId3">
             <a:extLst>
               <a:ext uri="{28A0092B-C50C-407E-A947-70E740481C1C}">
-                <a14:useLocalDpi xmlns:a14="http://schemas.microsoft.com/office/drawing/2010/main" val="0"/>
+                <a14:useLocalDpi xmlns:a14="http://schemas.microsoft.com/office/drawing/2010/main" xmlns="" val="0"/>
               </a:ext>
             </a:extLst>
           </a:blip>
@@ -5322,7 +5346,7 @@
           <a:noFill/>
           <a:extLst>
             <a:ext uri="{909E8E84-426E-40DD-AFC4-6F175D3DCCD1}">
-              <a14:hiddenFill xmlns:a14="http://schemas.microsoft.com/office/drawing/2010/main">
+              <a14:hiddenFill xmlns:a14="http://schemas.microsoft.com/office/drawing/2010/main" xmlns="">
                 <a:solidFill>
                   <a:srgbClr val="FFFFFF"/>
                 </a:solidFill>
@@ -5343,7 +5367,7 @@
           <a:blip r:embed="rId3">
             <a:extLst>
               <a:ext uri="{28A0092B-C50C-407E-A947-70E740481C1C}">
-                <a14:useLocalDpi xmlns:a14="http://schemas.microsoft.com/office/drawing/2010/main" val="0"/>
+                <a14:useLocalDpi xmlns:a14="http://schemas.microsoft.com/office/drawing/2010/main" xmlns="" val="0"/>
               </a:ext>
             </a:extLst>
           </a:blip>
@@ -5363,7 +5387,7 @@
           <a:noFill/>
           <a:extLst>
             <a:ext uri="{909E8E84-426E-40DD-AFC4-6F175D3DCCD1}">
-              <a14:hiddenFill xmlns:a14="http://schemas.microsoft.com/office/drawing/2010/main">
+              <a14:hiddenFill xmlns:a14="http://schemas.microsoft.com/office/drawing/2010/main" xmlns="">
                 <a:solidFill>
                   <a:srgbClr val="FFFFFF"/>
                 </a:solidFill>
@@ -5384,7 +5408,7 @@
           <a:blip r:embed="rId3">
             <a:extLst>
               <a:ext uri="{28A0092B-C50C-407E-A947-70E740481C1C}">
-                <a14:useLocalDpi xmlns:a14="http://schemas.microsoft.com/office/drawing/2010/main" val="0"/>
+                <a14:useLocalDpi xmlns:a14="http://schemas.microsoft.com/office/drawing/2010/main" xmlns="" val="0"/>
               </a:ext>
             </a:extLst>
           </a:blip>
@@ -5404,7 +5428,7 @@
           <a:noFill/>
           <a:extLst>
             <a:ext uri="{909E8E84-426E-40DD-AFC4-6F175D3DCCD1}">
-              <a14:hiddenFill xmlns:a14="http://schemas.microsoft.com/office/drawing/2010/main">
+              <a14:hiddenFill xmlns:a14="http://schemas.microsoft.com/office/drawing/2010/main" xmlns="">
                 <a:solidFill>
                   <a:srgbClr val="FFFFFF"/>
                 </a:solidFill>
@@ -5416,7 +5440,7 @@
     </p:spTree>
     <p:extLst>
       <p:ext uri="{BB962C8B-B14F-4D97-AF65-F5344CB8AC3E}">
-        <p14:creationId xmlns:p14="http://schemas.microsoft.com/office/powerpoint/2010/main" val="814569739"/>
+        <p14:creationId xmlns:p14="http://schemas.microsoft.com/office/powerpoint/2010/main" xmlns="" val="814569739"/>
       </p:ext>
     </p:extLst>
   </p:cSld>
